--- a/名刺_修士２年.pptx
+++ b/名刺_修士２年.pptx
@@ -288,7 +288,7 @@
           <a:p>
             <a:fld id="{9793CC72-13F1-8347-8B92-EE8A59D53F29}" type="datetimeFigureOut">
               <a:rPr kumimoji="1" lang="ja-JP" altLang="en-US" smtClean="0"/>
-              <a:t>10/25/14</a:t>
+              <a:t>2014/12/22</a:t>
             </a:fld>
             <a:endParaRPr kumimoji="1" lang="ja-JP" altLang="en-US"/>
           </a:p>
@@ -490,7 +490,7 @@
           <a:p>
             <a:fld id="{9793CC72-13F1-8347-8B92-EE8A59D53F29}" type="datetimeFigureOut">
               <a:rPr kumimoji="1" lang="ja-JP" altLang="en-US" smtClean="0"/>
-              <a:t>10/25/14</a:t>
+              <a:t>2014/12/22</a:t>
             </a:fld>
             <a:endParaRPr kumimoji="1" lang="ja-JP" altLang="en-US"/>
           </a:p>
@@ -702,7 +702,7 @@
           <a:p>
             <a:fld id="{9793CC72-13F1-8347-8B92-EE8A59D53F29}" type="datetimeFigureOut">
               <a:rPr kumimoji="1" lang="ja-JP" altLang="en-US" smtClean="0"/>
-              <a:t>10/25/14</a:t>
+              <a:t>2014/12/22</a:t>
             </a:fld>
             <a:endParaRPr kumimoji="1" lang="ja-JP" altLang="en-US"/>
           </a:p>
@@ -904,7 +904,7 @@
           <a:p>
             <a:fld id="{9793CC72-13F1-8347-8B92-EE8A59D53F29}" type="datetimeFigureOut">
               <a:rPr kumimoji="1" lang="ja-JP" altLang="en-US" smtClean="0"/>
-              <a:t>10/25/14</a:t>
+              <a:t>2014/12/22</a:t>
             </a:fld>
             <a:endParaRPr kumimoji="1" lang="ja-JP" altLang="en-US"/>
           </a:p>
@@ -1150,7 +1150,7 @@
           <a:p>
             <a:fld id="{9793CC72-13F1-8347-8B92-EE8A59D53F29}" type="datetimeFigureOut">
               <a:rPr kumimoji="1" lang="ja-JP" altLang="en-US" smtClean="0"/>
-              <a:t>10/25/14</a:t>
+              <a:t>2014/12/22</a:t>
             </a:fld>
             <a:endParaRPr kumimoji="1" lang="ja-JP" altLang="en-US"/>
           </a:p>
@@ -1502,7 +1502,7 @@
           <a:p>
             <a:fld id="{9793CC72-13F1-8347-8B92-EE8A59D53F29}" type="datetimeFigureOut">
               <a:rPr kumimoji="1" lang="ja-JP" altLang="en-US" smtClean="0"/>
-              <a:t>10/25/14</a:t>
+              <a:t>2014/12/22</a:t>
             </a:fld>
             <a:endParaRPr kumimoji="1" lang="ja-JP" altLang="en-US"/>
           </a:p>
@@ -1993,7 +1993,7 @@
           <a:p>
             <a:fld id="{9793CC72-13F1-8347-8B92-EE8A59D53F29}" type="datetimeFigureOut">
               <a:rPr kumimoji="1" lang="ja-JP" altLang="en-US" smtClean="0"/>
-              <a:t>10/25/14</a:t>
+              <a:t>2014/12/22</a:t>
             </a:fld>
             <a:endParaRPr kumimoji="1" lang="ja-JP" altLang="en-US"/>
           </a:p>
@@ -2111,7 +2111,7 @@
           <a:p>
             <a:fld id="{9793CC72-13F1-8347-8B92-EE8A59D53F29}" type="datetimeFigureOut">
               <a:rPr kumimoji="1" lang="ja-JP" altLang="en-US" smtClean="0"/>
-              <a:t>10/25/14</a:t>
+              <a:t>2014/12/22</a:t>
             </a:fld>
             <a:endParaRPr kumimoji="1" lang="ja-JP" altLang="en-US"/>
           </a:p>
@@ -2206,7 +2206,7 @@
           <a:p>
             <a:fld id="{9793CC72-13F1-8347-8B92-EE8A59D53F29}" type="datetimeFigureOut">
               <a:rPr kumimoji="1" lang="ja-JP" altLang="en-US" smtClean="0"/>
-              <a:t>10/25/14</a:t>
+              <a:t>2014/12/22</a:t>
             </a:fld>
             <a:endParaRPr kumimoji="1" lang="ja-JP" altLang="en-US"/>
           </a:p>
@@ -2515,7 +2515,7 @@
           <a:p>
             <a:fld id="{9793CC72-13F1-8347-8B92-EE8A59D53F29}" type="datetimeFigureOut">
               <a:rPr kumimoji="1" lang="ja-JP" altLang="en-US" smtClean="0"/>
-              <a:t>10/25/14</a:t>
+              <a:t>2014/12/22</a:t>
             </a:fld>
             <a:endParaRPr kumimoji="1" lang="ja-JP" altLang="en-US"/>
           </a:p>
@@ -2768,7 +2768,7 @@
           <a:p>
             <a:fld id="{9793CC72-13F1-8347-8B92-EE8A59D53F29}" type="datetimeFigureOut">
               <a:rPr kumimoji="1" lang="ja-JP" altLang="en-US" smtClean="0"/>
-              <a:t>10/25/14</a:t>
+              <a:t>2014/12/22</a:t>
             </a:fld>
             <a:endParaRPr kumimoji="1" lang="ja-JP" altLang="en-US"/>
           </a:p>
@@ -3013,7 +3013,7 @@
           <a:p>
             <a:fld id="{9793CC72-13F1-8347-8B92-EE8A59D53F29}" type="datetimeFigureOut">
               <a:rPr kumimoji="1" lang="ja-JP" altLang="en-US" smtClean="0"/>
-              <a:t>10/25/14</a:t>
+              <a:t>2014/12/22</a:t>
             </a:fld>
             <a:endParaRPr kumimoji="1" lang="ja-JP" altLang="en-US"/>
           </a:p>
@@ -3627,15 +3627,7 @@
                 <a:ea typeface="ヒラギノ角ゴ Pro W3"/>
                 <a:cs typeface="ヒラギノ角ゴ Pro W3"/>
               </a:rPr>
-              <a:t>Tel : </a:t>
-            </a:r>
-            <a:r>
-              <a:rPr lang="en-US" altLang="ja-JP" sz="700" dirty="0">
-                <a:latin typeface="ヒラギノ角ゴ Pro W3"/>
-                <a:ea typeface="ヒラギノ角ゴ Pro W3"/>
-                <a:cs typeface="ヒラギノ角ゴ Pro W3"/>
-              </a:rPr>
-              <a:t>09093443003</a:t>
+              <a:t> </a:t>
             </a:r>
           </a:p>
           <a:p>
@@ -3645,7 +3637,15 @@
                 <a:ea typeface="ヒラギノ角ゴ Pro W3"/>
                 <a:cs typeface="ヒラギノ角ゴ Pro W3"/>
               </a:rPr>
-              <a:t>Mail : </a:t>
+              <a:t>Mail </a:t>
+            </a:r>
+            <a:r>
+              <a:rPr lang="en-US" altLang="ja-JP" sz="700" dirty="0" smtClean="0">
+                <a:latin typeface="ヒラギノ角ゴ Pro W3"/>
+                <a:ea typeface="ヒラギノ角ゴ Pro W3"/>
+                <a:cs typeface="ヒラギノ角ゴ Pro W3"/>
+              </a:rPr>
+              <a:t>: </a:t>
             </a:r>
             <a:r>
               <a:rPr lang="en-US" altLang="ja-JP" sz="700" dirty="0">
